--- a/diagrams.pptx
+++ b/diagrams.pptx
@@ -4161,6 +4161,1016 @@
           </a:p>
         </p:txBody>
       </p:sp>
+      <p:sp>
+        <p:nvSpPr>
+          <p:cNvPr id="73" name="Oval 72"/>
+          <p:cNvSpPr/>
+          <p:nvPr/>
+        </p:nvSpPr>
+        <p:spPr>
+          <a:xfrm>
+            <a:off x="3818851" y="2353065"/>
+            <a:ext cx="580241" cy="582706"/>
+          </a:xfrm>
+          <a:prstGeom prst="ellipse">
+            <a:avLst/>
+          </a:prstGeom>
+        </p:spPr>
+        <p:style>
+          <a:lnRef idx="2">
+            <a:schemeClr val="accent1">
+              <a:shade val="50000"/>
+            </a:schemeClr>
+          </a:lnRef>
+          <a:fillRef idx="1">
+            <a:schemeClr val="accent1"/>
+          </a:fillRef>
+          <a:effectRef idx="0">
+            <a:schemeClr val="accent1"/>
+          </a:effectRef>
+          <a:fontRef idx="minor">
+            <a:schemeClr val="lt1"/>
+          </a:fontRef>
+        </p:style>
+        <p:txBody>
+          <a:bodyPr rtlCol="0" anchor="ctr"/>
+          <a:lstStyle/>
+          <a:p>
+            <a:pPr algn="ctr"/>
+            <a:r>
+              <a:rPr lang="en-US" sz="1000" dirty="0" smtClean="0"/>
+              <a:t>root</a:t>
+            </a:r>
+            <a:endParaRPr lang="en-US" sz="1000" dirty="0"/>
+          </a:p>
+        </p:txBody>
+      </p:sp>
+      <p:sp>
+        <p:nvSpPr>
+          <p:cNvPr id="74" name="Oval 73"/>
+          <p:cNvSpPr/>
+          <p:nvPr/>
+        </p:nvSpPr>
+        <p:spPr>
+          <a:xfrm>
+            <a:off x="3058759" y="3182918"/>
+            <a:ext cx="580241" cy="582706"/>
+          </a:xfrm>
+          <a:prstGeom prst="ellipse">
+            <a:avLst/>
+          </a:prstGeom>
+        </p:spPr>
+        <p:style>
+          <a:lnRef idx="2">
+            <a:schemeClr val="accent1">
+              <a:shade val="50000"/>
+            </a:schemeClr>
+          </a:lnRef>
+          <a:fillRef idx="1">
+            <a:schemeClr val="accent1"/>
+          </a:fillRef>
+          <a:effectRef idx="0">
+            <a:schemeClr val="accent1"/>
+          </a:effectRef>
+          <a:fontRef idx="minor">
+            <a:schemeClr val="lt1"/>
+          </a:fontRef>
+        </p:style>
+        <p:txBody>
+          <a:bodyPr rtlCol="0" anchor="ctr"/>
+          <a:lstStyle/>
+          <a:p>
+            <a:pPr algn="ctr"/>
+            <a:endParaRPr lang="en-US" sz="1000" dirty="0"/>
+          </a:p>
+        </p:txBody>
+      </p:sp>
+      <p:sp>
+        <p:nvSpPr>
+          <p:cNvPr id="79" name="Oval 78"/>
+          <p:cNvSpPr/>
+          <p:nvPr/>
+        </p:nvSpPr>
+        <p:spPr>
+          <a:xfrm>
+            <a:off x="3966960" y="3437523"/>
+            <a:ext cx="45719" cy="45719"/>
+          </a:xfrm>
+          <a:prstGeom prst="ellipse">
+            <a:avLst/>
+          </a:prstGeom>
+        </p:spPr>
+        <p:style>
+          <a:lnRef idx="2">
+            <a:schemeClr val="accent1">
+              <a:shade val="50000"/>
+            </a:schemeClr>
+          </a:lnRef>
+          <a:fillRef idx="1">
+            <a:schemeClr val="accent1"/>
+          </a:fillRef>
+          <a:effectRef idx="0">
+            <a:schemeClr val="accent1"/>
+          </a:effectRef>
+          <a:fontRef idx="minor">
+            <a:schemeClr val="lt1"/>
+          </a:fontRef>
+        </p:style>
+        <p:txBody>
+          <a:bodyPr rtlCol="0" anchor="ctr"/>
+          <a:lstStyle/>
+          <a:p>
+            <a:pPr algn="ctr"/>
+            <a:endParaRPr lang="en-US"/>
+          </a:p>
+        </p:txBody>
+      </p:sp>
+      <p:sp>
+        <p:nvSpPr>
+          <p:cNvPr id="81" name="Oval 80"/>
+          <p:cNvSpPr/>
+          <p:nvPr/>
+        </p:nvSpPr>
+        <p:spPr>
+          <a:xfrm flipV="1">
+            <a:off x="4271760" y="3443796"/>
+            <a:ext cx="45719" cy="45719"/>
+          </a:xfrm>
+          <a:prstGeom prst="ellipse">
+            <a:avLst/>
+          </a:prstGeom>
+        </p:spPr>
+        <p:style>
+          <a:lnRef idx="2">
+            <a:schemeClr val="accent1">
+              <a:shade val="50000"/>
+            </a:schemeClr>
+          </a:lnRef>
+          <a:fillRef idx="1">
+            <a:schemeClr val="accent1"/>
+          </a:fillRef>
+          <a:effectRef idx="0">
+            <a:schemeClr val="accent1"/>
+          </a:effectRef>
+          <a:fontRef idx="minor">
+            <a:schemeClr val="lt1"/>
+          </a:fontRef>
+        </p:style>
+        <p:txBody>
+          <a:bodyPr rtlCol="0" anchor="ctr"/>
+          <a:lstStyle/>
+          <a:p>
+            <a:pPr algn="ctr"/>
+            <a:endParaRPr lang="en-US"/>
+          </a:p>
+        </p:txBody>
+      </p:sp>
+      <p:sp>
+        <p:nvSpPr>
+          <p:cNvPr id="82" name="Oval 81"/>
+          <p:cNvSpPr/>
+          <p:nvPr/>
+        </p:nvSpPr>
+        <p:spPr>
+          <a:xfrm flipV="1">
+            <a:off x="4119360" y="3443796"/>
+            <a:ext cx="45719" cy="45719"/>
+          </a:xfrm>
+          <a:prstGeom prst="ellipse">
+            <a:avLst/>
+          </a:prstGeom>
+        </p:spPr>
+        <p:style>
+          <a:lnRef idx="2">
+            <a:schemeClr val="accent1">
+              <a:shade val="50000"/>
+            </a:schemeClr>
+          </a:lnRef>
+          <a:fillRef idx="1">
+            <a:schemeClr val="accent1"/>
+          </a:fillRef>
+          <a:effectRef idx="0">
+            <a:schemeClr val="accent1"/>
+          </a:effectRef>
+          <a:fontRef idx="minor">
+            <a:schemeClr val="lt1"/>
+          </a:fontRef>
+        </p:style>
+        <p:txBody>
+          <a:bodyPr rtlCol="0" anchor="ctr"/>
+          <a:lstStyle/>
+          <a:p>
+            <a:pPr algn="ctr"/>
+            <a:endParaRPr lang="en-US"/>
+          </a:p>
+        </p:txBody>
+      </p:sp>
+      <p:sp>
+        <p:nvSpPr>
+          <p:cNvPr id="83" name="Oval 82"/>
+          <p:cNvSpPr/>
+          <p:nvPr/>
+        </p:nvSpPr>
+        <p:spPr>
+          <a:xfrm>
+            <a:off x="4686540" y="3160059"/>
+            <a:ext cx="580241" cy="582706"/>
+          </a:xfrm>
+          <a:prstGeom prst="ellipse">
+            <a:avLst/>
+          </a:prstGeom>
+        </p:spPr>
+        <p:style>
+          <a:lnRef idx="2">
+            <a:schemeClr val="accent1">
+              <a:shade val="50000"/>
+            </a:schemeClr>
+          </a:lnRef>
+          <a:fillRef idx="1">
+            <a:schemeClr val="accent1"/>
+          </a:fillRef>
+          <a:effectRef idx="0">
+            <a:schemeClr val="accent1"/>
+          </a:effectRef>
+          <a:fontRef idx="minor">
+            <a:schemeClr val="lt1"/>
+          </a:fontRef>
+        </p:style>
+        <p:txBody>
+          <a:bodyPr rtlCol="0" anchor="ctr"/>
+          <a:lstStyle/>
+          <a:p>
+            <a:pPr algn="ctr"/>
+            <a:endParaRPr lang="en-US" sz="1000" dirty="0"/>
+          </a:p>
+        </p:txBody>
+      </p:sp>
+      <p:sp>
+        <p:nvSpPr>
+          <p:cNvPr id="84" name="TextBox 83"/>
+          <p:cNvSpPr txBox="1"/>
+          <p:nvPr/>
+        </p:nvSpPr>
+        <p:spPr>
+          <a:xfrm>
+            <a:off x="6096000" y="3205778"/>
+            <a:ext cx="826770" cy="707886"/>
+          </a:xfrm>
+          <a:prstGeom prst="rect">
+            <a:avLst/>
+          </a:prstGeom>
+          <a:noFill/>
+        </p:spPr>
+        <p:txBody>
+          <a:bodyPr wrap="square" rtlCol="0">
+            <a:spAutoFit/>
+          </a:bodyPr>
+          <a:lstStyle/>
+          <a:p>
+            <a:r>
+              <a:rPr lang="en-US" sz="1000" dirty="0" smtClean="0"/>
+              <a:t>Possible values for each feature</a:t>
+            </a:r>
+            <a:endParaRPr lang="en-US" sz="1000" dirty="0"/>
+          </a:p>
+        </p:txBody>
+      </p:sp>
+      <p:cxnSp>
+        <p:nvCxnSpPr>
+          <p:cNvPr id="86" name="Straight Arrow Connector 85"/>
+          <p:cNvCxnSpPr>
+            <a:stCxn id="73" idx="3"/>
+            <a:endCxn id="74" idx="0"/>
+          </p:cNvCxnSpPr>
+          <p:nvPr/>
+        </p:nvCxnSpPr>
+        <p:spPr>
+          <a:xfrm flipH="1">
+            <a:off x="3348880" y="2850436"/>
+            <a:ext cx="554945" cy="332482"/>
+          </a:xfrm>
+          <a:prstGeom prst="straightConnector1">
+            <a:avLst/>
+          </a:prstGeom>
+          <a:ln>
+            <a:tailEnd type="arrow"/>
+          </a:ln>
+        </p:spPr>
+        <p:style>
+          <a:lnRef idx="1">
+            <a:schemeClr val="accent1"/>
+          </a:lnRef>
+          <a:fillRef idx="0">
+            <a:schemeClr val="accent1"/>
+          </a:fillRef>
+          <a:effectRef idx="0">
+            <a:schemeClr val="accent1"/>
+          </a:effectRef>
+          <a:fontRef idx="minor">
+            <a:schemeClr val="tx1"/>
+          </a:fontRef>
+        </p:style>
+      </p:cxnSp>
+      <p:cxnSp>
+        <p:nvCxnSpPr>
+          <p:cNvPr id="90" name="Straight Arrow Connector 89"/>
+          <p:cNvCxnSpPr>
+            <a:stCxn id="73" idx="5"/>
+            <a:endCxn id="83" idx="1"/>
+          </p:cNvCxnSpPr>
+          <p:nvPr/>
+        </p:nvCxnSpPr>
+        <p:spPr>
+          <a:xfrm>
+            <a:off x="4314118" y="2850436"/>
+            <a:ext cx="457396" cy="394958"/>
+          </a:xfrm>
+          <a:prstGeom prst="straightConnector1">
+            <a:avLst/>
+          </a:prstGeom>
+          <a:ln>
+            <a:tailEnd type="arrow"/>
+          </a:ln>
+        </p:spPr>
+        <p:style>
+          <a:lnRef idx="1">
+            <a:schemeClr val="accent1"/>
+          </a:lnRef>
+          <a:fillRef idx="0">
+            <a:schemeClr val="accent1"/>
+          </a:fillRef>
+          <a:effectRef idx="0">
+            <a:schemeClr val="accent1"/>
+          </a:effectRef>
+          <a:fontRef idx="minor">
+            <a:schemeClr val="tx1"/>
+          </a:fontRef>
+        </p:style>
+      </p:cxnSp>
+      <p:sp>
+        <p:nvSpPr>
+          <p:cNvPr id="97" name="Oval 96"/>
+          <p:cNvSpPr/>
+          <p:nvPr/>
+        </p:nvSpPr>
+        <p:spPr>
+          <a:xfrm>
+            <a:off x="2048659" y="4178449"/>
+            <a:ext cx="580241" cy="582706"/>
+          </a:xfrm>
+          <a:prstGeom prst="ellipse">
+            <a:avLst/>
+          </a:prstGeom>
+        </p:spPr>
+        <p:style>
+          <a:lnRef idx="2">
+            <a:schemeClr val="accent1">
+              <a:shade val="50000"/>
+            </a:schemeClr>
+          </a:lnRef>
+          <a:fillRef idx="1">
+            <a:schemeClr val="accent1"/>
+          </a:fillRef>
+          <a:effectRef idx="0">
+            <a:schemeClr val="accent1"/>
+          </a:effectRef>
+          <a:fontRef idx="minor">
+            <a:schemeClr val="lt1"/>
+          </a:fontRef>
+        </p:style>
+        <p:txBody>
+          <a:bodyPr rtlCol="0" anchor="ctr"/>
+          <a:lstStyle/>
+          <a:p>
+            <a:pPr algn="ctr"/>
+            <a:endParaRPr lang="en-US" sz="1000" dirty="0"/>
+          </a:p>
+        </p:txBody>
+      </p:sp>
+      <p:sp>
+        <p:nvSpPr>
+          <p:cNvPr id="99" name="Oval 98"/>
+          <p:cNvSpPr/>
+          <p:nvPr/>
+        </p:nvSpPr>
+        <p:spPr>
+          <a:xfrm>
+            <a:off x="2753959" y="4411084"/>
+            <a:ext cx="45719" cy="45719"/>
+          </a:xfrm>
+          <a:prstGeom prst="ellipse">
+            <a:avLst/>
+          </a:prstGeom>
+        </p:spPr>
+        <p:style>
+          <a:lnRef idx="2">
+            <a:schemeClr val="accent1">
+              <a:shade val="50000"/>
+            </a:schemeClr>
+          </a:lnRef>
+          <a:fillRef idx="1">
+            <a:schemeClr val="accent1"/>
+          </a:fillRef>
+          <a:effectRef idx="0">
+            <a:schemeClr val="accent1"/>
+          </a:effectRef>
+          <a:fontRef idx="minor">
+            <a:schemeClr val="lt1"/>
+          </a:fontRef>
+        </p:style>
+        <p:txBody>
+          <a:bodyPr rtlCol="0" anchor="ctr"/>
+          <a:lstStyle/>
+          <a:p>
+            <a:pPr algn="ctr"/>
+            <a:endParaRPr lang="en-US"/>
+          </a:p>
+        </p:txBody>
+      </p:sp>
+      <p:sp>
+        <p:nvSpPr>
+          <p:cNvPr id="100" name="Oval 99"/>
+          <p:cNvSpPr/>
+          <p:nvPr/>
+        </p:nvSpPr>
+        <p:spPr>
+          <a:xfrm flipV="1">
+            <a:off x="3058759" y="4417357"/>
+            <a:ext cx="45719" cy="45719"/>
+          </a:xfrm>
+          <a:prstGeom prst="ellipse">
+            <a:avLst/>
+          </a:prstGeom>
+        </p:spPr>
+        <p:style>
+          <a:lnRef idx="2">
+            <a:schemeClr val="accent1">
+              <a:shade val="50000"/>
+            </a:schemeClr>
+          </a:lnRef>
+          <a:fillRef idx="1">
+            <a:schemeClr val="accent1"/>
+          </a:fillRef>
+          <a:effectRef idx="0">
+            <a:schemeClr val="accent1"/>
+          </a:effectRef>
+          <a:fontRef idx="minor">
+            <a:schemeClr val="lt1"/>
+          </a:fontRef>
+        </p:style>
+        <p:txBody>
+          <a:bodyPr rtlCol="0" anchor="ctr"/>
+          <a:lstStyle/>
+          <a:p>
+            <a:pPr algn="ctr"/>
+            <a:endParaRPr lang="en-US"/>
+          </a:p>
+        </p:txBody>
+      </p:sp>
+      <p:sp>
+        <p:nvSpPr>
+          <p:cNvPr id="101" name="Oval 100"/>
+          <p:cNvSpPr/>
+          <p:nvPr/>
+        </p:nvSpPr>
+        <p:spPr>
+          <a:xfrm flipV="1">
+            <a:off x="2906359" y="4417357"/>
+            <a:ext cx="45719" cy="45719"/>
+          </a:xfrm>
+          <a:prstGeom prst="ellipse">
+            <a:avLst/>
+          </a:prstGeom>
+        </p:spPr>
+        <p:style>
+          <a:lnRef idx="2">
+            <a:schemeClr val="accent1">
+              <a:shade val="50000"/>
+            </a:schemeClr>
+          </a:lnRef>
+          <a:fillRef idx="1">
+            <a:schemeClr val="accent1"/>
+          </a:fillRef>
+          <a:effectRef idx="0">
+            <a:schemeClr val="accent1"/>
+          </a:effectRef>
+          <a:fontRef idx="minor">
+            <a:schemeClr val="lt1"/>
+          </a:fontRef>
+        </p:style>
+        <p:txBody>
+          <a:bodyPr rtlCol="0" anchor="ctr"/>
+          <a:lstStyle/>
+          <a:p>
+            <a:pPr algn="ctr"/>
+            <a:endParaRPr lang="en-US"/>
+          </a:p>
+        </p:txBody>
+      </p:sp>
+      <p:sp>
+        <p:nvSpPr>
+          <p:cNvPr id="102" name="Oval 101"/>
+          <p:cNvSpPr/>
+          <p:nvPr/>
+        </p:nvSpPr>
+        <p:spPr>
+          <a:xfrm>
+            <a:off x="3221161" y="4178896"/>
+            <a:ext cx="580241" cy="582706"/>
+          </a:xfrm>
+          <a:prstGeom prst="ellipse">
+            <a:avLst/>
+          </a:prstGeom>
+        </p:spPr>
+        <p:style>
+          <a:lnRef idx="2">
+            <a:schemeClr val="accent1">
+              <a:shade val="50000"/>
+            </a:schemeClr>
+          </a:lnRef>
+          <a:fillRef idx="1">
+            <a:schemeClr val="accent1"/>
+          </a:fillRef>
+          <a:effectRef idx="0">
+            <a:schemeClr val="accent1"/>
+          </a:effectRef>
+          <a:fontRef idx="minor">
+            <a:schemeClr val="lt1"/>
+          </a:fontRef>
+        </p:style>
+        <p:txBody>
+          <a:bodyPr rtlCol="0" anchor="ctr"/>
+          <a:lstStyle/>
+          <a:p>
+            <a:pPr algn="ctr"/>
+            <a:endParaRPr lang="en-US" sz="1000" dirty="0"/>
+          </a:p>
+        </p:txBody>
+      </p:sp>
+      <p:cxnSp>
+        <p:nvCxnSpPr>
+          <p:cNvPr id="110" name="Straight Arrow Connector 109"/>
+          <p:cNvCxnSpPr>
+            <a:stCxn id="74" idx="4"/>
+            <a:endCxn id="102" idx="0"/>
+          </p:cNvCxnSpPr>
+          <p:nvPr/>
+        </p:nvCxnSpPr>
+        <p:spPr>
+          <a:xfrm>
+            <a:off x="3348880" y="3765624"/>
+            <a:ext cx="162402" cy="413272"/>
+          </a:xfrm>
+          <a:prstGeom prst="straightConnector1">
+            <a:avLst/>
+          </a:prstGeom>
+          <a:ln>
+            <a:tailEnd type="arrow"/>
+          </a:ln>
+        </p:spPr>
+        <p:style>
+          <a:lnRef idx="1">
+            <a:schemeClr val="accent1"/>
+          </a:lnRef>
+          <a:fillRef idx="0">
+            <a:schemeClr val="accent1"/>
+          </a:fillRef>
+          <a:effectRef idx="0">
+            <a:schemeClr val="accent1"/>
+          </a:effectRef>
+          <a:fontRef idx="minor">
+            <a:schemeClr val="tx1"/>
+          </a:fontRef>
+        </p:style>
+      </p:cxnSp>
+      <p:cxnSp>
+        <p:nvCxnSpPr>
+          <p:cNvPr id="112" name="Straight Arrow Connector 111"/>
+          <p:cNvCxnSpPr>
+            <a:stCxn id="74" idx="4"/>
+            <a:endCxn id="97" idx="0"/>
+          </p:cNvCxnSpPr>
+          <p:nvPr/>
+        </p:nvCxnSpPr>
+        <p:spPr>
+          <a:xfrm flipH="1">
+            <a:off x="2338780" y="3765624"/>
+            <a:ext cx="1010100" cy="412825"/>
+          </a:xfrm>
+          <a:prstGeom prst="straightConnector1">
+            <a:avLst/>
+          </a:prstGeom>
+          <a:ln>
+            <a:tailEnd type="arrow"/>
+          </a:ln>
+        </p:spPr>
+        <p:style>
+          <a:lnRef idx="1">
+            <a:schemeClr val="accent1"/>
+          </a:lnRef>
+          <a:fillRef idx="0">
+            <a:schemeClr val="accent1"/>
+          </a:fillRef>
+          <a:effectRef idx="0">
+            <a:schemeClr val="accent1"/>
+          </a:effectRef>
+          <a:fontRef idx="minor">
+            <a:schemeClr val="tx1"/>
+          </a:fontRef>
+        </p:style>
+      </p:cxnSp>
+      <p:sp>
+        <p:nvSpPr>
+          <p:cNvPr id="113" name="Oval 112"/>
+          <p:cNvSpPr/>
+          <p:nvPr/>
+        </p:nvSpPr>
+        <p:spPr>
+          <a:xfrm>
+            <a:off x="3921241" y="4417810"/>
+            <a:ext cx="45719" cy="45719"/>
+          </a:xfrm>
+          <a:prstGeom prst="ellipse">
+            <a:avLst/>
+          </a:prstGeom>
+        </p:spPr>
+        <p:style>
+          <a:lnRef idx="2">
+            <a:schemeClr val="accent1">
+              <a:shade val="50000"/>
+            </a:schemeClr>
+          </a:lnRef>
+          <a:fillRef idx="1">
+            <a:schemeClr val="accent1"/>
+          </a:fillRef>
+          <a:effectRef idx="0">
+            <a:schemeClr val="accent1"/>
+          </a:effectRef>
+          <a:fontRef idx="minor">
+            <a:schemeClr val="lt1"/>
+          </a:fontRef>
+        </p:style>
+        <p:txBody>
+          <a:bodyPr rtlCol="0" anchor="ctr"/>
+          <a:lstStyle/>
+          <a:p>
+            <a:pPr algn="ctr"/>
+            <a:endParaRPr lang="en-US"/>
+          </a:p>
+        </p:txBody>
+      </p:sp>
+      <p:sp>
+        <p:nvSpPr>
+          <p:cNvPr id="114" name="Oval 113"/>
+          <p:cNvSpPr/>
+          <p:nvPr/>
+        </p:nvSpPr>
+        <p:spPr>
+          <a:xfrm flipV="1">
+            <a:off x="4226041" y="4424083"/>
+            <a:ext cx="45719" cy="45719"/>
+          </a:xfrm>
+          <a:prstGeom prst="ellipse">
+            <a:avLst/>
+          </a:prstGeom>
+        </p:spPr>
+        <p:style>
+          <a:lnRef idx="2">
+            <a:schemeClr val="accent1">
+              <a:shade val="50000"/>
+            </a:schemeClr>
+          </a:lnRef>
+          <a:fillRef idx="1">
+            <a:schemeClr val="accent1"/>
+          </a:fillRef>
+          <a:effectRef idx="0">
+            <a:schemeClr val="accent1"/>
+          </a:effectRef>
+          <a:fontRef idx="minor">
+            <a:schemeClr val="lt1"/>
+          </a:fontRef>
+        </p:style>
+        <p:txBody>
+          <a:bodyPr rtlCol="0" anchor="ctr"/>
+          <a:lstStyle/>
+          <a:p>
+            <a:pPr algn="ctr"/>
+            <a:endParaRPr lang="en-US"/>
+          </a:p>
+        </p:txBody>
+      </p:sp>
+      <p:sp>
+        <p:nvSpPr>
+          <p:cNvPr id="115" name="Oval 114"/>
+          <p:cNvSpPr/>
+          <p:nvPr/>
+        </p:nvSpPr>
+        <p:spPr>
+          <a:xfrm flipV="1">
+            <a:off x="4073641" y="4424083"/>
+            <a:ext cx="45719" cy="45719"/>
+          </a:xfrm>
+          <a:prstGeom prst="ellipse">
+            <a:avLst/>
+          </a:prstGeom>
+        </p:spPr>
+        <p:style>
+          <a:lnRef idx="2">
+            <a:schemeClr val="accent1">
+              <a:shade val="50000"/>
+            </a:schemeClr>
+          </a:lnRef>
+          <a:fillRef idx="1">
+            <a:schemeClr val="accent1"/>
+          </a:fillRef>
+          <a:effectRef idx="0">
+            <a:schemeClr val="accent1"/>
+          </a:effectRef>
+          <a:fontRef idx="minor">
+            <a:schemeClr val="lt1"/>
+          </a:fontRef>
+        </p:style>
+        <p:txBody>
+          <a:bodyPr rtlCol="0" anchor="ctr"/>
+          <a:lstStyle/>
+          <a:p>
+            <a:pPr algn="ctr"/>
+            <a:endParaRPr lang="en-US"/>
+          </a:p>
+        </p:txBody>
+      </p:sp>
+      <p:sp>
+        <p:nvSpPr>
+          <p:cNvPr id="123" name="Oval 122"/>
+          <p:cNvSpPr/>
+          <p:nvPr/>
+        </p:nvSpPr>
+        <p:spPr>
+          <a:xfrm>
+            <a:off x="4385197" y="4155589"/>
+            <a:ext cx="580241" cy="582706"/>
+          </a:xfrm>
+          <a:prstGeom prst="ellipse">
+            <a:avLst/>
+          </a:prstGeom>
+        </p:spPr>
+        <p:style>
+          <a:lnRef idx="2">
+            <a:schemeClr val="accent1">
+              <a:shade val="50000"/>
+            </a:schemeClr>
+          </a:lnRef>
+          <a:fillRef idx="1">
+            <a:schemeClr val="accent1"/>
+          </a:fillRef>
+          <a:effectRef idx="0">
+            <a:schemeClr val="accent1"/>
+          </a:effectRef>
+          <a:fontRef idx="minor">
+            <a:schemeClr val="lt1"/>
+          </a:fontRef>
+        </p:style>
+        <p:txBody>
+          <a:bodyPr rtlCol="0" anchor="ctr"/>
+          <a:lstStyle/>
+          <a:p>
+            <a:pPr algn="ctr"/>
+            <a:endParaRPr lang="en-US" sz="1000" dirty="0"/>
+          </a:p>
+        </p:txBody>
+      </p:sp>
+      <p:sp>
+        <p:nvSpPr>
+          <p:cNvPr id="124" name="Oval 123"/>
+          <p:cNvSpPr/>
+          <p:nvPr/>
+        </p:nvSpPr>
+        <p:spPr>
+          <a:xfrm>
+            <a:off x="5105399" y="4417356"/>
+            <a:ext cx="45719" cy="45719"/>
+          </a:xfrm>
+          <a:prstGeom prst="ellipse">
+            <a:avLst/>
+          </a:prstGeom>
+        </p:spPr>
+        <p:style>
+          <a:lnRef idx="2">
+            <a:schemeClr val="accent1">
+              <a:shade val="50000"/>
+            </a:schemeClr>
+          </a:lnRef>
+          <a:fillRef idx="1">
+            <a:schemeClr val="accent1"/>
+          </a:fillRef>
+          <a:effectRef idx="0">
+            <a:schemeClr val="accent1"/>
+          </a:effectRef>
+          <a:fontRef idx="minor">
+            <a:schemeClr val="lt1"/>
+          </a:fontRef>
+        </p:style>
+        <p:txBody>
+          <a:bodyPr rtlCol="0" anchor="ctr"/>
+          <a:lstStyle/>
+          <a:p>
+            <a:pPr algn="ctr"/>
+            <a:endParaRPr lang="en-US"/>
+          </a:p>
+        </p:txBody>
+      </p:sp>
+      <p:sp>
+        <p:nvSpPr>
+          <p:cNvPr id="125" name="Oval 124"/>
+          <p:cNvSpPr/>
+          <p:nvPr/>
+        </p:nvSpPr>
+        <p:spPr>
+          <a:xfrm flipV="1">
+            <a:off x="5410199" y="4423629"/>
+            <a:ext cx="45719" cy="45719"/>
+          </a:xfrm>
+          <a:prstGeom prst="ellipse">
+            <a:avLst/>
+          </a:prstGeom>
+        </p:spPr>
+        <p:style>
+          <a:lnRef idx="2">
+            <a:schemeClr val="accent1">
+              <a:shade val="50000"/>
+            </a:schemeClr>
+          </a:lnRef>
+          <a:fillRef idx="1">
+            <a:schemeClr val="accent1"/>
+          </a:fillRef>
+          <a:effectRef idx="0">
+            <a:schemeClr val="accent1"/>
+          </a:effectRef>
+          <a:fontRef idx="minor">
+            <a:schemeClr val="lt1"/>
+          </a:fontRef>
+        </p:style>
+        <p:txBody>
+          <a:bodyPr rtlCol="0" anchor="ctr"/>
+          <a:lstStyle/>
+          <a:p>
+            <a:pPr algn="ctr"/>
+            <a:endParaRPr lang="en-US"/>
+          </a:p>
+        </p:txBody>
+      </p:sp>
+      <p:sp>
+        <p:nvSpPr>
+          <p:cNvPr id="126" name="Oval 125"/>
+          <p:cNvSpPr/>
+          <p:nvPr/>
+        </p:nvSpPr>
+        <p:spPr>
+          <a:xfrm flipV="1">
+            <a:off x="5257799" y="4423629"/>
+            <a:ext cx="45719" cy="45719"/>
+          </a:xfrm>
+          <a:prstGeom prst="ellipse">
+            <a:avLst/>
+          </a:prstGeom>
+        </p:spPr>
+        <p:style>
+          <a:lnRef idx="2">
+            <a:schemeClr val="accent1">
+              <a:shade val="50000"/>
+            </a:schemeClr>
+          </a:lnRef>
+          <a:fillRef idx="1">
+            <a:schemeClr val="accent1"/>
+          </a:fillRef>
+          <a:effectRef idx="0">
+            <a:schemeClr val="accent1"/>
+          </a:effectRef>
+          <a:fontRef idx="minor">
+            <a:schemeClr val="lt1"/>
+          </a:fontRef>
+        </p:style>
+        <p:txBody>
+          <a:bodyPr rtlCol="0" anchor="ctr"/>
+          <a:lstStyle/>
+          <a:p>
+            <a:pPr algn="ctr"/>
+            <a:endParaRPr lang="en-US"/>
+          </a:p>
+        </p:txBody>
+      </p:sp>
+      <p:sp>
+        <p:nvSpPr>
+          <p:cNvPr id="127" name="Oval 126"/>
+          <p:cNvSpPr/>
+          <p:nvPr/>
+        </p:nvSpPr>
+        <p:spPr>
+          <a:xfrm>
+            <a:off x="5532790" y="4155589"/>
+            <a:ext cx="580241" cy="582706"/>
+          </a:xfrm>
+          <a:prstGeom prst="ellipse">
+            <a:avLst/>
+          </a:prstGeom>
+        </p:spPr>
+        <p:style>
+          <a:lnRef idx="2">
+            <a:schemeClr val="accent1">
+              <a:shade val="50000"/>
+            </a:schemeClr>
+          </a:lnRef>
+          <a:fillRef idx="1">
+            <a:schemeClr val="accent1"/>
+          </a:fillRef>
+          <a:effectRef idx="0">
+            <a:schemeClr val="accent1"/>
+          </a:effectRef>
+          <a:fontRef idx="minor">
+            <a:schemeClr val="lt1"/>
+          </a:fontRef>
+        </p:style>
+        <p:txBody>
+          <a:bodyPr rtlCol="0" anchor="ctr"/>
+          <a:lstStyle/>
+          <a:p>
+            <a:pPr algn="ctr"/>
+            <a:endParaRPr lang="en-US" sz="1000" dirty="0"/>
+          </a:p>
+        </p:txBody>
+      </p:sp>
+      <p:cxnSp>
+        <p:nvCxnSpPr>
+          <p:cNvPr id="129" name="Straight Arrow Connector 128"/>
+          <p:cNvCxnSpPr>
+            <a:stCxn id="83" idx="4"/>
+            <a:endCxn id="123" idx="0"/>
+          </p:cNvCxnSpPr>
+          <p:nvPr/>
+        </p:nvCxnSpPr>
+        <p:spPr>
+          <a:xfrm flipH="1">
+            <a:off x="4675318" y="3742765"/>
+            <a:ext cx="301343" cy="412824"/>
+          </a:xfrm>
+          <a:prstGeom prst="straightConnector1">
+            <a:avLst/>
+          </a:prstGeom>
+          <a:ln>
+            <a:tailEnd type="arrow"/>
+          </a:ln>
+        </p:spPr>
+        <p:style>
+          <a:lnRef idx="1">
+            <a:schemeClr val="accent1"/>
+          </a:lnRef>
+          <a:fillRef idx="0">
+            <a:schemeClr val="accent1"/>
+          </a:fillRef>
+          <a:effectRef idx="0">
+            <a:schemeClr val="accent1"/>
+          </a:effectRef>
+          <a:fontRef idx="minor">
+            <a:schemeClr val="tx1"/>
+          </a:fontRef>
+        </p:style>
+      </p:cxnSp>
+      <p:cxnSp>
+        <p:nvCxnSpPr>
+          <p:cNvPr id="131" name="Straight Arrow Connector 130"/>
+          <p:cNvCxnSpPr>
+            <a:stCxn id="83" idx="4"/>
+            <a:endCxn id="127" idx="0"/>
+          </p:cNvCxnSpPr>
+          <p:nvPr/>
+        </p:nvCxnSpPr>
+        <p:spPr>
+          <a:xfrm>
+            <a:off x="4976661" y="3742765"/>
+            <a:ext cx="846250" cy="412824"/>
+          </a:xfrm>
+          <a:prstGeom prst="straightConnector1">
+            <a:avLst/>
+          </a:prstGeom>
+          <a:ln>
+            <a:tailEnd type="arrow"/>
+          </a:ln>
+        </p:spPr>
+        <p:style>
+          <a:lnRef idx="1">
+            <a:schemeClr val="accent1"/>
+          </a:lnRef>
+          <a:fillRef idx="0">
+            <a:schemeClr val="accent1"/>
+          </a:fillRef>
+          <a:effectRef idx="0">
+            <a:schemeClr val="accent1"/>
+          </a:effectRef>
+          <a:fontRef idx="minor">
+            <a:schemeClr val="tx1"/>
+          </a:fontRef>
+        </p:style>
+      </p:cxnSp>
     </p:spTree>
     <p:extLst>
       <p:ext uri="{BB962C8B-B14F-4D97-AF65-F5344CB8AC3E}">

--- a/diagrams.pptx
+++ b/diagrams.pptx
@@ -4401,36 +4401,6 @@
           <a:lstStyle/>
           <a:p>
             <a:pPr algn="ctr"/>
-            <a:endParaRPr lang="en-US" sz="1000" dirty="0"/>
-          </a:p>
-        </p:txBody>
-      </p:sp>
-      <p:sp>
-        <p:nvSpPr>
-          <p:cNvPr id="84" name="TextBox 83"/>
-          <p:cNvSpPr txBox="1"/>
-          <p:nvPr/>
-        </p:nvSpPr>
-        <p:spPr>
-          <a:xfrm>
-            <a:off x="6096000" y="3205778"/>
-            <a:ext cx="826770" cy="707886"/>
-          </a:xfrm>
-          <a:prstGeom prst="rect">
-            <a:avLst/>
-          </a:prstGeom>
-          <a:noFill/>
-        </p:spPr>
-        <p:txBody>
-          <a:bodyPr wrap="square" rtlCol="0">
-            <a:spAutoFit/>
-          </a:bodyPr>
-          <a:lstStyle/>
-          <a:p>
-            <a:r>
-              <a:rPr lang="en-US" sz="1000" dirty="0" smtClean="0"/>
-              <a:t>Possible values for each feature</a:t>
-            </a:r>
             <a:endParaRPr lang="en-US" sz="1000" dirty="0"/>
           </a:p>
         </p:txBody>
